--- a/수업/22-RIO.pptx
+++ b/수업/22-RIO.pptx
@@ -227,7 +227,7 @@
           <a:p>
             <a:fld id="{02C3721C-F4C5-4560-A22E-FF908DEE5738}" type="datetimeFigureOut">
               <a:rPr lang="ko-KR" altLang="en-US" smtClean="0"/>
-              <a:t>2023-06-06</a:t>
+              <a:t>2023-06-08</a:t>
             </a:fld>
             <a:endParaRPr lang="ko-KR" altLang="en-US"/>
           </a:p>
@@ -858,6 +858,419 @@
 </p:notes>
 </file>
 
+<file path=ppt/notesSlides/notesSlide4.xml><?xml version="1.0" encoding="utf-8"?>
+<p:notes xmlns:a="http://schemas.openxmlformats.org/drawingml/2006/main" xmlns:r="http://schemas.openxmlformats.org/officeDocument/2006/relationships" xmlns:p="http://schemas.openxmlformats.org/presentationml/2006/main">
+  <p:cSld>
+    <p:spTree>
+      <p:nvGrpSpPr>
+        <p:cNvPr id="1" name=""/>
+        <p:cNvGrpSpPr/>
+        <p:nvPr/>
+      </p:nvGrpSpPr>
+      <p:grpSpPr>
+        <a:xfrm>
+          <a:off x="0" y="0"/>
+          <a:ext cx="0" cy="0"/>
+          <a:chOff x="0" y="0"/>
+          <a:chExt cx="0" cy="0"/>
+        </a:xfrm>
+      </p:grpSpPr>
+      <p:sp>
+        <p:nvSpPr>
+          <p:cNvPr id="2" name="슬라이드 이미지 개체 틀 1"/>
+          <p:cNvSpPr>
+            <a:spLocks noGrp="1" noRot="1" noChangeAspect="1"/>
+          </p:cNvSpPr>
+          <p:nvPr>
+            <p:ph type="sldImg"/>
+          </p:nvPr>
+        </p:nvSpPr>
+        <p:spPr/>
+      </p:sp>
+      <p:sp>
+        <p:nvSpPr>
+          <p:cNvPr id="3" name="슬라이드 노트 개체 틀 2"/>
+          <p:cNvSpPr>
+            <a:spLocks noGrp="1"/>
+          </p:cNvSpPr>
+          <p:nvPr>
+            <p:ph type="body" idx="1"/>
+          </p:nvPr>
+        </p:nvSpPr>
+        <p:spPr/>
+        <p:txBody>
+          <a:bodyPr/>
+          <a:lstStyle/>
+          <a:p>
+            <a:endParaRPr lang="ko-KR" altLang="en-US" dirty="0"/>
+          </a:p>
+        </p:txBody>
+      </p:sp>
+      <p:sp>
+        <p:nvSpPr>
+          <p:cNvPr id="4" name="슬라이드 번호 개체 틀 3"/>
+          <p:cNvSpPr>
+            <a:spLocks noGrp="1"/>
+          </p:cNvSpPr>
+          <p:nvPr>
+            <p:ph type="sldNum" sz="quarter" idx="5"/>
+          </p:nvPr>
+        </p:nvSpPr>
+        <p:spPr/>
+        <p:txBody>
+          <a:bodyPr/>
+          <a:lstStyle/>
+          <a:p>
+            <a:fld id="{DA45649B-C506-4A0C-8D61-789E35D8F426}" type="slidenum">
+              <a:rPr lang="ko-KR" altLang="en-US" smtClean="0"/>
+              <a:t>15</a:t>
+            </a:fld>
+            <a:endParaRPr lang="ko-KR" altLang="en-US"/>
+          </a:p>
+        </p:txBody>
+      </p:sp>
+    </p:spTree>
+    <p:extLst>
+      <p:ext uri="{BB962C8B-B14F-4D97-AF65-F5344CB8AC3E}">
+        <p14:creationId xmlns:p14="http://schemas.microsoft.com/office/powerpoint/2010/main" val="986837369"/>
+      </p:ext>
+    </p:extLst>
+  </p:cSld>
+  <p:clrMapOvr>
+    <a:masterClrMapping/>
+  </p:clrMapOvr>
+</p:notes>
+</file>
+
+<file path=ppt/notesSlides/notesSlide5.xml><?xml version="1.0" encoding="utf-8"?>
+<p:notes xmlns:a="http://schemas.openxmlformats.org/drawingml/2006/main" xmlns:r="http://schemas.openxmlformats.org/officeDocument/2006/relationships" xmlns:p="http://schemas.openxmlformats.org/presentationml/2006/main">
+  <p:cSld>
+    <p:spTree>
+      <p:nvGrpSpPr>
+        <p:cNvPr id="1" name=""/>
+        <p:cNvGrpSpPr/>
+        <p:nvPr/>
+      </p:nvGrpSpPr>
+      <p:grpSpPr>
+        <a:xfrm>
+          <a:off x="0" y="0"/>
+          <a:ext cx="0" cy="0"/>
+          <a:chOff x="0" y="0"/>
+          <a:chExt cx="0" cy="0"/>
+        </a:xfrm>
+      </p:grpSpPr>
+      <p:sp>
+        <p:nvSpPr>
+          <p:cNvPr id="2" name="슬라이드 이미지 개체 틀 1"/>
+          <p:cNvSpPr>
+            <a:spLocks noGrp="1" noRot="1" noChangeAspect="1"/>
+          </p:cNvSpPr>
+          <p:nvPr>
+            <p:ph type="sldImg"/>
+          </p:nvPr>
+        </p:nvSpPr>
+        <p:spPr/>
+      </p:sp>
+      <p:sp>
+        <p:nvSpPr>
+          <p:cNvPr id="3" name="슬라이드 노트 개체 틀 2"/>
+          <p:cNvSpPr>
+            <a:spLocks noGrp="1"/>
+          </p:cNvSpPr>
+          <p:nvPr>
+            <p:ph type="body" idx="1"/>
+          </p:nvPr>
+        </p:nvSpPr>
+        <p:spPr/>
+        <p:txBody>
+          <a:bodyPr/>
+          <a:lstStyle/>
+          <a:p>
+            <a:r>
+              <a:rPr lang="en-US" altLang="ko-KR" dirty="0"/>
+              <a:t>RIO_BUF </a:t>
+            </a:r>
+            <a:r>
+              <a:rPr lang="ko-KR" altLang="en-US" dirty="0"/>
+              <a:t>는 그냥 주소가 아님 </a:t>
+            </a:r>
+            <a:r>
+              <a:rPr lang="en-US" altLang="ko-KR" dirty="0" err="1"/>
+              <a:t>VirtualAllocEx</a:t>
+            </a:r>
+            <a:r>
+              <a:rPr lang="ko-KR" altLang="en-US" dirty="0"/>
+              <a:t> 로 할당 받은 것</a:t>
+            </a:r>
+          </a:p>
+        </p:txBody>
+      </p:sp>
+      <p:sp>
+        <p:nvSpPr>
+          <p:cNvPr id="4" name="슬라이드 번호 개체 틀 3"/>
+          <p:cNvSpPr>
+            <a:spLocks noGrp="1"/>
+          </p:cNvSpPr>
+          <p:nvPr>
+            <p:ph type="sldNum" sz="quarter" idx="5"/>
+          </p:nvPr>
+        </p:nvSpPr>
+        <p:spPr/>
+        <p:txBody>
+          <a:bodyPr/>
+          <a:lstStyle/>
+          <a:p>
+            <a:fld id="{DA45649B-C506-4A0C-8D61-789E35D8F426}" type="slidenum">
+              <a:rPr lang="ko-KR" altLang="en-US" smtClean="0"/>
+              <a:t>17</a:t>
+            </a:fld>
+            <a:endParaRPr lang="ko-KR" altLang="en-US"/>
+          </a:p>
+        </p:txBody>
+      </p:sp>
+    </p:spTree>
+    <p:extLst>
+      <p:ext uri="{BB962C8B-B14F-4D97-AF65-F5344CB8AC3E}">
+        <p14:creationId xmlns:p14="http://schemas.microsoft.com/office/powerpoint/2010/main" val="810310375"/>
+      </p:ext>
+    </p:extLst>
+  </p:cSld>
+  <p:clrMapOvr>
+    <a:masterClrMapping/>
+  </p:clrMapOvr>
+</p:notes>
+</file>
+
+<file path=ppt/notesSlides/notesSlide6.xml><?xml version="1.0" encoding="utf-8"?>
+<p:notes xmlns:a="http://schemas.openxmlformats.org/drawingml/2006/main" xmlns:r="http://schemas.openxmlformats.org/officeDocument/2006/relationships" xmlns:p="http://schemas.openxmlformats.org/presentationml/2006/main">
+  <p:cSld>
+    <p:spTree>
+      <p:nvGrpSpPr>
+        <p:cNvPr id="1" name=""/>
+        <p:cNvGrpSpPr/>
+        <p:nvPr/>
+      </p:nvGrpSpPr>
+      <p:grpSpPr>
+        <a:xfrm>
+          <a:off x="0" y="0"/>
+          <a:ext cx="0" cy="0"/>
+          <a:chOff x="0" y="0"/>
+          <a:chExt cx="0" cy="0"/>
+        </a:xfrm>
+      </p:grpSpPr>
+      <p:sp>
+        <p:nvSpPr>
+          <p:cNvPr id="2" name="슬라이드 이미지 개체 틀 1"/>
+          <p:cNvSpPr>
+            <a:spLocks noGrp="1" noRot="1" noChangeAspect="1"/>
+          </p:cNvSpPr>
+          <p:nvPr>
+            <p:ph type="sldImg"/>
+          </p:nvPr>
+        </p:nvSpPr>
+        <p:spPr/>
+      </p:sp>
+      <p:sp>
+        <p:nvSpPr>
+          <p:cNvPr id="3" name="슬라이드 노트 개체 틀 2"/>
+          <p:cNvSpPr>
+            <a:spLocks noGrp="1"/>
+          </p:cNvSpPr>
+          <p:nvPr>
+            <p:ph type="body" idx="1"/>
+          </p:nvPr>
+        </p:nvSpPr>
+        <p:spPr/>
+        <p:txBody>
+          <a:bodyPr/>
+          <a:lstStyle/>
+          <a:p>
+            <a:r>
+              <a:rPr lang="en-US" altLang="ko-KR" dirty="0" err="1"/>
+              <a:t>Recv</a:t>
+            </a:r>
+            <a:r>
+              <a:rPr lang="ko-KR" altLang="en-US" dirty="0"/>
+              <a:t>가 </a:t>
+            </a:r>
+            <a:r>
+              <a:rPr lang="en-US" altLang="ko-KR" dirty="0" err="1"/>
+              <a:t>Systemcall</a:t>
+            </a:r>
+            <a:r>
+              <a:rPr lang="ko-KR" altLang="en-US" dirty="0" err="1"/>
+              <a:t>하는게</a:t>
+            </a:r>
+            <a:r>
+              <a:rPr lang="ko-KR" altLang="en-US" dirty="0"/>
+              <a:t> 아니라 </a:t>
+            </a:r>
+            <a:r>
+              <a:rPr lang="en-US" altLang="ko-KR" dirty="0"/>
+              <a:t>RIO </a:t>
+            </a:r>
+            <a:r>
+              <a:rPr lang="en-US" altLang="ko-KR" sz="1200" spc="-5" dirty="0" err="1">
+                <a:solidFill>
+                  <a:srgbClr val="FFFFFF"/>
+                </a:solidFill>
+                <a:latin typeface="Arial"/>
+                <a:cs typeface="Arial"/>
+              </a:rPr>
+              <a:t>RequestQueue</a:t>
+            </a:r>
+            <a:r>
+              <a:rPr lang="ko-KR" altLang="en-US" sz="1200" spc="-5" dirty="0">
+                <a:solidFill>
+                  <a:srgbClr val="FFFFFF"/>
+                </a:solidFill>
+                <a:latin typeface="Arial"/>
+                <a:cs typeface="Arial"/>
+              </a:rPr>
+              <a:t>에 </a:t>
+            </a:r>
+            <a:r>
+              <a:rPr lang="ko-KR" altLang="en-US" sz="1200" spc="-5" dirty="0" err="1">
+                <a:solidFill>
+                  <a:srgbClr val="FFFFFF"/>
+                </a:solidFill>
+                <a:latin typeface="Arial"/>
+                <a:cs typeface="Arial"/>
+              </a:rPr>
+              <a:t>넣어줌</a:t>
+            </a:r>
+            <a:br>
+              <a:rPr lang="en-US" altLang="ko-KR" sz="1200" spc="-5" dirty="0">
+                <a:solidFill>
+                  <a:srgbClr val="FFFFFF"/>
+                </a:solidFill>
+                <a:latin typeface="Arial"/>
+                <a:cs typeface="Arial"/>
+              </a:rPr>
+            </a:br>
+            <a:r>
+              <a:rPr lang="ko-KR" altLang="en-US" sz="1200" spc="-5" dirty="0">
+                <a:solidFill>
+                  <a:srgbClr val="FFFFFF"/>
+                </a:solidFill>
+                <a:latin typeface="Arial"/>
+                <a:cs typeface="Arial"/>
+              </a:rPr>
+              <a:t>그럼 운영체제는 </a:t>
+            </a:r>
+            <a:r>
+              <a:rPr lang="en-US" altLang="ko-KR" sz="1200" spc="-5" dirty="0" err="1">
+                <a:solidFill>
+                  <a:srgbClr val="FFFFFF"/>
+                </a:solidFill>
+                <a:latin typeface="Arial"/>
+                <a:cs typeface="Arial"/>
+              </a:rPr>
+              <a:t>RequestQueue</a:t>
+            </a:r>
+            <a:r>
+              <a:rPr lang="en-US" altLang="ko-KR" sz="1200" spc="-5" dirty="0">
+                <a:solidFill>
+                  <a:srgbClr val="FFFFFF"/>
+                </a:solidFill>
+                <a:latin typeface="Arial"/>
+                <a:cs typeface="Arial"/>
+              </a:rPr>
+              <a:t> </a:t>
+            </a:r>
+            <a:r>
+              <a:rPr lang="ko-KR" altLang="en-US" sz="1200" spc="-5" dirty="0">
+                <a:solidFill>
+                  <a:srgbClr val="FFFFFF"/>
+                </a:solidFill>
+                <a:latin typeface="Arial"/>
+                <a:cs typeface="Arial"/>
+              </a:rPr>
+              <a:t>만 보면서 작업 처리함</a:t>
+            </a:r>
+            <a:endParaRPr lang="en-US" altLang="ko-KR" sz="1200" spc="-5" dirty="0">
+              <a:solidFill>
+                <a:srgbClr val="FFFFFF"/>
+              </a:solidFill>
+              <a:latin typeface="Arial"/>
+              <a:cs typeface="Arial"/>
+            </a:endParaRPr>
+          </a:p>
+          <a:p>
+            <a:r>
+              <a:rPr lang="ko-KR" altLang="en-US" dirty="0"/>
+              <a:t>없으면 </a:t>
+            </a:r>
+            <a:r>
+              <a:rPr lang="en-US" altLang="ko-KR" dirty="0"/>
+              <a:t>return   &lt;-&gt; IOCP </a:t>
+            </a:r>
+            <a:r>
+              <a:rPr lang="en-US" altLang="ko-KR" sz="1200" spc="-5" dirty="0">
+                <a:solidFill>
+                  <a:srgbClr val="FFFFFF"/>
+                </a:solidFill>
+                <a:latin typeface="Arial"/>
+                <a:cs typeface="Arial"/>
+              </a:rPr>
+              <a:t>GQCS</a:t>
+            </a:r>
+            <a:r>
+              <a:rPr lang="ko-KR" altLang="en-US" dirty="0"/>
+              <a:t>는 만약 작업이 없다면 그냥 그 쓰레드가 아무 작업도 하지 않음</a:t>
+            </a:r>
+            <a:r>
+              <a:rPr lang="en-US" altLang="ko-KR" dirty="0"/>
+              <a:t>(</a:t>
+            </a:r>
+            <a:r>
+              <a:rPr lang="ko-KR" altLang="en-US" dirty="0"/>
+              <a:t>쓰레드 낭비</a:t>
+            </a:r>
+            <a:r>
+              <a:rPr lang="en-US" altLang="ko-KR"/>
+              <a:t>)</a:t>
+            </a:r>
+            <a:endParaRPr lang="ko-KR" altLang="en-US" dirty="0"/>
+          </a:p>
+        </p:txBody>
+      </p:sp>
+      <p:sp>
+        <p:nvSpPr>
+          <p:cNvPr id="4" name="슬라이드 번호 개체 틀 3"/>
+          <p:cNvSpPr>
+            <a:spLocks noGrp="1"/>
+          </p:cNvSpPr>
+          <p:nvPr>
+            <p:ph type="sldNum" sz="quarter" idx="5"/>
+          </p:nvPr>
+        </p:nvSpPr>
+        <p:spPr/>
+        <p:txBody>
+          <a:bodyPr/>
+          <a:lstStyle/>
+          <a:p>
+            <a:fld id="{DA45649B-C506-4A0C-8D61-789E35D8F426}" type="slidenum">
+              <a:rPr lang="ko-KR" altLang="en-US" smtClean="0"/>
+              <a:t>18</a:t>
+            </a:fld>
+            <a:endParaRPr lang="ko-KR" altLang="en-US"/>
+          </a:p>
+        </p:txBody>
+      </p:sp>
+    </p:spTree>
+    <p:extLst>
+      <p:ext uri="{BB962C8B-B14F-4D97-AF65-F5344CB8AC3E}">
+        <p14:creationId xmlns:p14="http://schemas.microsoft.com/office/powerpoint/2010/main" val="2891718222"/>
+      </p:ext>
+    </p:extLst>
+  </p:cSld>
+  <p:clrMapOvr>
+    <a:masterClrMapping/>
+  </p:clrMapOvr>
+</p:notes>
+</file>
+
 <file path=ppt/slideLayouts/slideLayout1.xml><?xml version="1.0" encoding="utf-8"?>
 <p:sldLayout xmlns:a="http://schemas.openxmlformats.org/drawingml/2006/main" xmlns:r="http://schemas.openxmlformats.org/officeDocument/2006/relationships" xmlns:p="http://schemas.openxmlformats.org/presentationml/2006/main" type="obj" preserve="1">
   <p:cSld name="Title Slide">
@@ -997,7 +1410,7 @@
           <a:p>
             <a:fld id="{1D8BD707-D9CF-40AE-B4C6-C98DA3205C09}" type="datetimeFigureOut">
               <a:rPr lang="en-US"/>
-              <a:t>6/6/2023</a:t>
+              <a:t>6/8/2023</a:t>
             </a:fld>
             <a:endParaRPr lang="en-US"/>
           </a:p>
@@ -1311,7 +1724,7 @@
           <a:p>
             <a:fld id="{1D8BD707-D9CF-40AE-B4C6-C98DA3205C09}" type="datetimeFigureOut">
               <a:rPr lang="en-US"/>
-              <a:t>6/6/2023</a:t>
+              <a:t>6/8/2023</a:t>
             </a:fld>
             <a:endParaRPr lang="en-US"/>
           </a:p>
@@ -1525,7 +1938,7 @@
           <a:p>
             <a:fld id="{1D8BD707-D9CF-40AE-B4C6-C98DA3205C09}" type="datetimeFigureOut">
               <a:rPr lang="en-US"/>
-              <a:t>6/6/2023</a:t>
+              <a:t>6/8/2023</a:t>
             </a:fld>
             <a:endParaRPr lang="en-US"/>
           </a:p>
@@ -1812,7 +2225,7 @@
           <a:p>
             <a:fld id="{1D8BD707-D9CF-40AE-B4C6-C98DA3205C09}" type="datetimeFigureOut">
               <a:rPr lang="en-US"/>
-              <a:t>6/6/2023</a:t>
+              <a:t>6/8/2023</a:t>
             </a:fld>
             <a:endParaRPr lang="en-US"/>
           </a:p>
@@ -2070,7 +2483,7 @@
           <a:p>
             <a:fld id="{1D8BD707-D9CF-40AE-B4C6-C98DA3205C09}" type="datetimeFigureOut">
               <a:rPr lang="en-US"/>
-              <a:t>6/6/2023</a:t>
+              <a:t>6/8/2023</a:t>
             </a:fld>
             <a:endParaRPr lang="en-US"/>
           </a:p>
@@ -2322,7 +2735,7 @@
           <a:p>
             <a:fld id="{1D8BD707-D9CF-40AE-B4C6-C98DA3205C09}" type="datetimeFigureOut">
               <a:rPr lang="en-US"/>
-              <a:t>6/6/2023</a:t>
+              <a:t>6/8/2023</a:t>
             </a:fld>
             <a:endParaRPr lang="en-US"/>
           </a:p>
@@ -5237,7 +5650,7 @@
         </p:nvSpPr>
         <p:spPr>
           <a:xfrm>
-            <a:off x="609600" y="5420867"/>
+            <a:off x="533400" y="5431790"/>
             <a:ext cx="8253983" cy="1098804"/>
           </a:xfrm>
           <a:prstGeom prst="rect">
@@ -5254,7 +5667,7 @@
           <a:bodyPr wrap="square" lIns="0" tIns="0" rIns="0" bIns="0" rtlCol="0"/>
           <a:lstStyle/>
           <a:p>
-            <a:endParaRPr/>
+            <a:endParaRPr dirty="0"/>
           </a:p>
         </p:txBody>
       </p:sp>
@@ -6458,7 +6871,7 @@
         <p:spPr>
           <a:xfrm>
             <a:off x="307340" y="1367543"/>
-            <a:ext cx="7761605" cy="4665980"/>
+            <a:ext cx="7846060" cy="4708981"/>
           </a:xfrm>
           <a:prstGeom prst="rect">
             <a:avLst/>
@@ -6492,7 +6905,7 @@
               </a:rPr>
               <a:t>Accept</a:t>
             </a:r>
-            <a:endParaRPr sz="3200">
+            <a:endParaRPr sz="3200" dirty="0">
               <a:latin typeface="Arial"/>
               <a:cs typeface="Arial"/>
             </a:endParaRPr>
@@ -6572,7 +6985,7 @@
               </a:rPr>
               <a:t>.</a:t>
             </a:r>
-            <a:endParaRPr sz="2800">
+            <a:endParaRPr sz="2800" dirty="0">
               <a:latin typeface="Arial"/>
               <a:cs typeface="Arial"/>
             </a:endParaRPr>
@@ -6612,6 +7025,16 @@
               <a:t>을 만들 때  </a:t>
             </a:r>
             <a:r>
+              <a:rPr lang="en-US" sz="2800" spc="-5" dirty="0">
+                <a:solidFill>
+                  <a:srgbClr val="FFFFFF"/>
+                </a:solidFill>
+                <a:latin typeface="맑은 고딕"/>
+                <a:cs typeface="맑은 고딕"/>
+              </a:rPr>
+              <a:t>				</a:t>
+            </a:r>
+            <a:r>
               <a:rPr sz="2800" spc="-5" dirty="0">
                 <a:solidFill>
                   <a:srgbClr val="FFFFFF"/>
@@ -6661,7 +7084,7 @@
               </a:rPr>
               <a:t>.</a:t>
             </a:r>
-            <a:endParaRPr sz="2800">
+            <a:endParaRPr sz="2800" dirty="0">
               <a:latin typeface="Arial"/>
               <a:cs typeface="Arial"/>
             </a:endParaRPr>
@@ -6739,7 +7162,7 @@
               </a:rPr>
               <a:t>.</a:t>
             </a:r>
-            <a:endParaRPr sz="2400">
+            <a:endParaRPr sz="2400" dirty="0">
               <a:latin typeface="Arial"/>
               <a:cs typeface="Arial"/>
             </a:endParaRPr>
@@ -6918,7 +7341,7 @@
               </a:rPr>
               <a:t>.</a:t>
             </a:r>
-            <a:endParaRPr sz="2800">
+            <a:endParaRPr sz="2800" dirty="0">
               <a:latin typeface="Arial"/>
               <a:cs typeface="Arial"/>
             </a:endParaRPr>
@@ -7083,7 +7506,7 @@
               </a:rPr>
               <a:t>작성</a:t>
             </a:r>
-            <a:endParaRPr sz="2400">
+            <a:endParaRPr sz="2400" dirty="0">
               <a:latin typeface="굴림"/>
               <a:cs typeface="굴림"/>
             </a:endParaRPr>
@@ -7273,7 +7696,7 @@
               </a:rPr>
               <a:t>전송은</a:t>
             </a:r>
-            <a:endParaRPr sz="2000">
+            <a:endParaRPr sz="2000" dirty="0">
               <a:latin typeface="맑은 고딕"/>
               <a:cs typeface="맑은 고딕"/>
             </a:endParaRPr>
@@ -7444,7 +7867,7 @@
               </a:rPr>
               <a:t>.</a:t>
             </a:r>
-            <a:endParaRPr sz="2000">
+            <a:endParaRPr sz="2000" dirty="0">
               <a:latin typeface="Arial"/>
               <a:cs typeface="Arial"/>
             </a:endParaRPr>
@@ -7624,7 +8047,7 @@
               </a:rPr>
               <a:t>.</a:t>
             </a:r>
-            <a:endParaRPr sz="2000">
+            <a:endParaRPr sz="2000" dirty="0">
               <a:latin typeface="Arial"/>
               <a:cs typeface="Arial"/>
             </a:endParaRPr>
@@ -7743,7 +8166,7 @@
               </a:rPr>
               <a:t>버퍼</a:t>
             </a:r>
-            <a:endParaRPr sz="1600">
+            <a:endParaRPr sz="1600" dirty="0">
               <a:latin typeface="맑은 고딕"/>
               <a:cs typeface="맑은 고딕"/>
             </a:endParaRPr>
@@ -7774,7 +8197,7 @@
               </a:rPr>
               <a:t>.</a:t>
             </a:r>
-            <a:endParaRPr sz="1600">
+            <a:endParaRPr sz="1600" dirty="0">
               <a:latin typeface="Arial"/>
               <a:cs typeface="Arial"/>
             </a:endParaRPr>
@@ -7993,7 +8416,7 @@
               </a:rPr>
               <a:t>)</a:t>
             </a:r>
-            <a:endParaRPr sz="1600">
+            <a:endParaRPr sz="1600" dirty="0">
               <a:latin typeface="Arial"/>
               <a:cs typeface="Arial"/>
             </a:endParaRPr>
@@ -8152,7 +8575,7 @@
               </a:rPr>
               <a:t>.</a:t>
             </a:r>
-            <a:endParaRPr sz="1600">
+            <a:endParaRPr sz="1600" dirty="0">
               <a:latin typeface="Arial"/>
               <a:cs typeface="Arial"/>
             </a:endParaRPr>
@@ -8239,7 +8662,7 @@
               </a:rPr>
               <a:t>max_sockets</a:t>
             </a:r>
-            <a:endParaRPr sz="1200">
+            <a:endParaRPr sz="1200" dirty="0">
               <a:latin typeface="Arial"/>
               <a:cs typeface="Arial"/>
             </a:endParaRPr>
@@ -8413,7 +8836,7 @@
               </a:rPr>
               <a:t>RIORecv</a:t>
             </a:r>
-            <a:endParaRPr sz="2400">
+            <a:endParaRPr sz="2400" dirty="0">
               <a:latin typeface="Arial"/>
               <a:cs typeface="Arial"/>
             </a:endParaRPr>
@@ -8483,7 +8906,7 @@
               </a:rPr>
               <a:t>함수</a:t>
             </a:r>
-            <a:endParaRPr sz="2000">
+            <a:endParaRPr sz="2000" dirty="0">
               <a:latin typeface="맑은 고딕"/>
               <a:cs typeface="맑은 고딕"/>
             </a:endParaRPr>
@@ -8612,7 +9035,7 @@
               </a:rPr>
               <a:t>.</a:t>
             </a:r>
-            <a:endParaRPr sz="1800">
+            <a:endParaRPr sz="1800" dirty="0">
               <a:latin typeface="Arial"/>
               <a:cs typeface="Arial"/>
             </a:endParaRPr>
@@ -8741,7 +9164,7 @@
               </a:rPr>
               <a:t>개수</a:t>
             </a:r>
-            <a:endParaRPr sz="1800">
+            <a:endParaRPr sz="1800" dirty="0">
               <a:latin typeface="맑은 고딕"/>
               <a:cs typeface="맑은 고딕"/>
             </a:endParaRPr>
@@ -8941,7 +9364,7 @@
               </a:rPr>
               <a:t>.</a:t>
             </a:r>
-            <a:endParaRPr sz="2000">
+            <a:endParaRPr sz="2000" dirty="0">
               <a:latin typeface="Arial"/>
               <a:cs typeface="Arial"/>
             </a:endParaRPr>
@@ -9251,7 +9674,7 @@
               </a:rPr>
               <a:t>.</a:t>
             </a:r>
-            <a:endParaRPr sz="1800">
+            <a:endParaRPr sz="1800" dirty="0">
               <a:latin typeface="Arial"/>
               <a:cs typeface="Arial"/>
             </a:endParaRPr>
@@ -9370,7 +9793,7 @@
               </a:rPr>
               <a:t>정보이다</a:t>
             </a:r>
-            <a:endParaRPr sz="1800">
+            <a:endParaRPr sz="1800" dirty="0">
               <a:latin typeface="맑은 고딕"/>
               <a:cs typeface="맑은 고딕"/>
             </a:endParaRPr>
@@ -9379,20 +9802,26 @@
       </p:sp>
       <p:sp>
         <p:nvSpPr>
-          <p:cNvPr id="4" name="object 4"/>
+          <p:cNvPr id="5" name="object 4">
+            <a:extLst>
+              <a:ext uri="{FF2B5EF4-FFF2-40B4-BE49-F238E27FC236}">
+                <a16:creationId xmlns:a16="http://schemas.microsoft.com/office/drawing/2014/main" id="{33323E06-2526-BE4F-4720-6808FB955F56}"/>
+              </a:ext>
+            </a:extLst>
+          </p:cNvPr>
           <p:cNvSpPr/>
           <p:nvPr/>
         </p:nvSpPr>
         <p:spPr>
           <a:xfrm>
-            <a:off x="838200" y="4419600"/>
-            <a:ext cx="7467600" cy="2051304"/>
+            <a:off x="716280" y="4495800"/>
+            <a:ext cx="8107680" cy="1876044"/>
           </a:xfrm>
           <a:prstGeom prst="rect">
             <a:avLst/>
           </a:prstGeom>
           <a:blipFill>
-            <a:blip r:embed="rId2" cstate="print"/>
+            <a:blip r:embed="rId3" cstate="print"/>
             <a:stretch>
               <a:fillRect/>
             </a:stretch>
@@ -9967,7 +10396,7 @@
             <a:avLst/>
           </a:prstGeom>
           <a:blipFill>
-            <a:blip r:embed="rId2" cstate="print"/>
+            <a:blip r:embed="rId3" cstate="print"/>
             <a:stretch>
               <a:fillRect/>
             </a:stretch>
@@ -10917,7 +11346,7 @@
               </a:rPr>
               <a:t>최적화</a:t>
             </a:r>
-            <a:endParaRPr sz="3200">
+            <a:endParaRPr sz="3200" dirty="0">
               <a:latin typeface="굴림"/>
               <a:cs typeface="굴림"/>
             </a:endParaRPr>
@@ -10967,7 +11396,7 @@
               </a:rPr>
               <a:t>어떻게</a:t>
             </a:r>
-            <a:endParaRPr sz="2800">
+            <a:endParaRPr sz="2800" dirty="0">
               <a:latin typeface="맑은 고딕"/>
               <a:cs typeface="맑은 고딕"/>
             </a:endParaRPr>
@@ -11015,7 +11444,7 @@
               </a:rPr>
               <a:t>Balancing</a:t>
             </a:r>
-            <a:endParaRPr sz="2400">
+            <a:endParaRPr sz="2400" dirty="0">
               <a:latin typeface="Arial"/>
               <a:cs typeface="Arial"/>
             </a:endParaRPr>
@@ -11064,7 +11493,7 @@
               </a:rPr>
               <a:t>관리</a:t>
             </a:r>
-            <a:endParaRPr sz="2400">
+            <a:endParaRPr sz="2400" dirty="0">
               <a:latin typeface="맑은 고딕"/>
               <a:cs typeface="맑은 고딕"/>
             </a:endParaRPr>
@@ -11218,7 +11647,7 @@
               </a:rPr>
               <a:t>.</a:t>
             </a:r>
-            <a:endParaRPr sz="2000">
+            <a:endParaRPr sz="2000" dirty="0">
               <a:latin typeface="Arial"/>
               <a:cs typeface="Arial"/>
             </a:endParaRPr>
@@ -11267,7 +11696,7 @@
               </a:rPr>
               <a:t>IOCP</a:t>
             </a:r>
-            <a:endParaRPr sz="2800">
+            <a:endParaRPr sz="2800" dirty="0">
               <a:latin typeface="Arial"/>
               <a:cs typeface="Arial"/>
             </a:endParaRPr>
@@ -11335,7 +11764,7 @@
               </a:rPr>
               <a:t>호출</a:t>
             </a:r>
-            <a:endParaRPr sz="2400">
+            <a:endParaRPr sz="2400" dirty="0">
               <a:latin typeface="맑은 고딕"/>
               <a:cs typeface="맑은 고딕"/>
             </a:endParaRPr>
@@ -11404,7 +11833,7 @@
               </a:rPr>
               <a:t>.</a:t>
             </a:r>
-            <a:endParaRPr sz="2800">
+            <a:endParaRPr sz="2800" dirty="0">
               <a:latin typeface="Arial"/>
               <a:cs typeface="Arial"/>
             </a:endParaRPr>
@@ -11507,7 +11936,7 @@
               </a:rPr>
               <a:t>(kisti.re.kr)</a:t>
             </a:r>
-            <a:endParaRPr sz="2800">
+            <a:endParaRPr sz="2800" dirty="0">
               <a:latin typeface="Arial"/>
               <a:cs typeface="Arial"/>
             </a:endParaRPr>
